--- a/docs/diagrams/StatsExecutionSequenceDiagram.pptx
+++ b/docs/diagrams/StatsExecutionSequenceDiagram.pptx
@@ -5,11 +5,10 @@
     <p:sldMasterId id="2147483648" r:id="rId1"/>
   </p:sldMasterIdLst>
   <p:notesMasterIdLst>
-    <p:notesMasterId r:id="rId4"/>
+    <p:notesMasterId r:id="rId3"/>
   </p:notesMasterIdLst>
   <p:sldIdLst>
     <p:sldId id="268" r:id="rId2"/>
-    <p:sldId id="269" r:id="rId3"/>
   </p:sldIdLst>
   <p:sldSz cx="9144000" cy="6858000" type="screen4x3"/>
   <p:notesSz cx="6858000" cy="9144000"/>
@@ -209,7 +208,7 @@
           <a:p>
             <a:fld id="{F5CC4B3F-88C1-4FFA-B1B6-F41C21DC6924}" type="datetimeFigureOut">
               <a:rPr lang="en-US" smtClean="0"/>
-              <a:t>01-Nov-18</a:t>
+              <a:t>12-Nov-18</a:t>
             </a:fld>
             <a:endParaRPr lang="en-US"/>
           </a:p>
@@ -655,7 +654,7 @@
           <a:p>
             <a:fld id="{78C97017-6FC3-485B-9764-EAC9E56C1D49}" type="datetimeFigureOut">
               <a:rPr lang="en-US" smtClean="0"/>
-              <a:t>01-Nov-18</a:t>
+              <a:t>12-Nov-18</a:t>
             </a:fld>
             <a:endParaRPr lang="en-US"/>
           </a:p>
@@ -823,7 +822,7 @@
           <a:p>
             <a:fld id="{78C97017-6FC3-485B-9764-EAC9E56C1D49}" type="datetimeFigureOut">
               <a:rPr lang="en-US" smtClean="0"/>
-              <a:t>01-Nov-18</a:t>
+              <a:t>12-Nov-18</a:t>
             </a:fld>
             <a:endParaRPr lang="en-US"/>
           </a:p>
@@ -1001,7 +1000,7 @@
           <a:p>
             <a:fld id="{78C97017-6FC3-485B-9764-EAC9E56C1D49}" type="datetimeFigureOut">
               <a:rPr lang="en-US" smtClean="0"/>
-              <a:t>01-Nov-18</a:t>
+              <a:t>12-Nov-18</a:t>
             </a:fld>
             <a:endParaRPr lang="en-US"/>
           </a:p>
@@ -1169,7 +1168,7 @@
           <a:p>
             <a:fld id="{78C97017-6FC3-485B-9764-EAC9E56C1D49}" type="datetimeFigureOut">
               <a:rPr lang="en-US" smtClean="0"/>
-              <a:t>01-Nov-18</a:t>
+              <a:t>12-Nov-18</a:t>
             </a:fld>
             <a:endParaRPr lang="en-US"/>
           </a:p>
@@ -1414,7 +1413,7 @@
           <a:p>
             <a:fld id="{78C97017-6FC3-485B-9764-EAC9E56C1D49}" type="datetimeFigureOut">
               <a:rPr lang="en-US" smtClean="0"/>
-              <a:t>01-Nov-18</a:t>
+              <a:t>12-Nov-18</a:t>
             </a:fld>
             <a:endParaRPr lang="en-US"/>
           </a:p>
@@ -1699,7 +1698,7 @@
           <a:p>
             <a:fld id="{78C97017-6FC3-485B-9764-EAC9E56C1D49}" type="datetimeFigureOut">
               <a:rPr lang="en-US" smtClean="0"/>
-              <a:t>01-Nov-18</a:t>
+              <a:t>12-Nov-18</a:t>
             </a:fld>
             <a:endParaRPr lang="en-US"/>
           </a:p>
@@ -2118,7 +2117,7 @@
           <a:p>
             <a:fld id="{78C97017-6FC3-485B-9764-EAC9E56C1D49}" type="datetimeFigureOut">
               <a:rPr lang="en-US" smtClean="0"/>
-              <a:t>01-Nov-18</a:t>
+              <a:t>12-Nov-18</a:t>
             </a:fld>
             <a:endParaRPr lang="en-US"/>
           </a:p>
@@ -2235,7 +2234,7 @@
           <a:p>
             <a:fld id="{78C97017-6FC3-485B-9764-EAC9E56C1D49}" type="datetimeFigureOut">
               <a:rPr lang="en-US" smtClean="0"/>
-              <a:t>01-Nov-18</a:t>
+              <a:t>12-Nov-18</a:t>
             </a:fld>
             <a:endParaRPr lang="en-US"/>
           </a:p>
@@ -2330,7 +2329,7 @@
           <a:p>
             <a:fld id="{78C97017-6FC3-485B-9764-EAC9E56C1D49}" type="datetimeFigureOut">
               <a:rPr lang="en-US" smtClean="0"/>
-              <a:t>01-Nov-18</a:t>
+              <a:t>12-Nov-18</a:t>
             </a:fld>
             <a:endParaRPr lang="en-US"/>
           </a:p>
@@ -2605,7 +2604,7 @@
           <a:p>
             <a:fld id="{78C97017-6FC3-485B-9764-EAC9E56C1D49}" type="datetimeFigureOut">
               <a:rPr lang="en-US" smtClean="0"/>
-              <a:t>01-Nov-18</a:t>
+              <a:t>12-Nov-18</a:t>
             </a:fld>
             <a:endParaRPr lang="en-US"/>
           </a:p>
@@ -2857,7 +2856,7 @@
           <a:p>
             <a:fld id="{78C97017-6FC3-485B-9764-EAC9E56C1D49}" type="datetimeFigureOut">
               <a:rPr lang="en-US" smtClean="0"/>
-              <a:t>01-Nov-18</a:t>
+              <a:t>12-Nov-18</a:t>
             </a:fld>
             <a:endParaRPr lang="en-US"/>
           </a:p>
@@ -3068,7 +3067,7 @@
           <a:p>
             <a:fld id="{78C97017-6FC3-485B-9764-EAC9E56C1D49}" type="datetimeFigureOut">
               <a:rPr lang="en-US" smtClean="0"/>
-              <a:t>01-Nov-18</a:t>
+              <a:t>12-Nov-18</a:t>
             </a:fld>
             <a:endParaRPr lang="en-US"/>
           </a:p>
@@ -7392,66 +7391,6 @@
     <p:extLst>
       <p:ext uri="{BB962C8B-B14F-4D97-AF65-F5344CB8AC3E}">
         <p14:creationId xmlns:p14="http://schemas.microsoft.com/office/powerpoint/2010/main" val="563139535"/>
-      </p:ext>
-    </p:extLst>
-  </p:cSld>
-  <p:clrMapOvr>
-    <a:masterClrMapping/>
-  </p:clrMapOvr>
-</p:sld>
-</file>
-
-<file path=ppt/slides/slide2.xml><?xml version="1.0" encoding="utf-8"?>
-<p:sld xmlns:a="http://schemas.openxmlformats.org/drawingml/2006/main" xmlns:r="http://schemas.openxmlformats.org/officeDocument/2006/relationships" xmlns:p="http://schemas.openxmlformats.org/presentationml/2006/main">
-  <p:cSld>
-    <p:spTree>
-      <p:nvGrpSpPr>
-        <p:cNvPr id="1" name=""/>
-        <p:cNvGrpSpPr/>
-        <p:nvPr/>
-      </p:nvGrpSpPr>
-      <p:grpSpPr>
-        <a:xfrm>
-          <a:off x="0" y="0"/>
-          <a:ext cx="0" cy="0"/>
-          <a:chOff x="0" y="0"/>
-          <a:chExt cx="0" cy="0"/>
-        </a:xfrm>
-      </p:grpSpPr>
-      <p:pic>
-        <p:nvPicPr>
-          <p:cNvPr id="2" name="Picture 1">
-            <a:extLst>
-              <a:ext uri="{FF2B5EF4-FFF2-40B4-BE49-F238E27FC236}">
-                <a16:creationId xmlns:a16="http://schemas.microsoft.com/office/drawing/2014/main" id="{982BDF27-E583-4CF1-A80B-74967576C1B2}"/>
-              </a:ext>
-            </a:extLst>
-          </p:cNvPr>
-          <p:cNvPicPr>
-            <a:picLocks noChangeAspect="1"/>
-          </p:cNvPicPr>
-          <p:nvPr/>
-        </p:nvPicPr>
-        <p:blipFill>
-          <a:blip r:embed="rId2"/>
-          <a:stretch>
-            <a:fillRect/>
-          </a:stretch>
-        </p:blipFill>
-        <p:spPr>
-          <a:xfrm>
-            <a:off x="1394847" y="0"/>
-            <a:ext cx="6354305" cy="6858000"/>
-          </a:xfrm>
-          <a:prstGeom prst="rect">
-            <a:avLst/>
-          </a:prstGeom>
-        </p:spPr>
-      </p:pic>
-    </p:spTree>
-    <p:extLst>
-      <p:ext uri="{BB962C8B-B14F-4D97-AF65-F5344CB8AC3E}">
-        <p14:creationId xmlns:p14="http://schemas.microsoft.com/office/powerpoint/2010/main" val="3109007431"/>
       </p:ext>
     </p:extLst>
   </p:cSld>
